--- a/presentations/python_overview.pptx
+++ b/presentations/python_overview.pptx
@@ -257,14 +257,14 @@
           <a:effectLst/>
           <a:extLst>
             <a:ext uri="{909E8E84-426E-40dd-AFC4-6F175D3DCCD1}">
-              <a14:hiddenFill xmlns:a14="http://schemas.microsoft.com/office/drawing/2010/main" xmlns="">
+              <a14:hiddenFill xmlns="" xmlns:a14="http://schemas.microsoft.com/office/drawing/2010/main">
                 <a:solidFill>
                   <a:schemeClr val="accent1"/>
                 </a:solidFill>
               </a14:hiddenFill>
             </a:ext>
             <a:ext uri="{91240B29-F687-4f45-9708-019B960494DF}">
-              <a14:hiddenLine xmlns:a14="http://schemas.microsoft.com/office/drawing/2010/main" xmlns="" w="12700">
+              <a14:hiddenLine xmlns="" xmlns:a14="http://schemas.microsoft.com/office/drawing/2010/main" w="12700">
                 <a:solidFill>
                   <a:schemeClr val="tx1"/>
                 </a:solidFill>
@@ -274,7 +274,7 @@
               </a14:hiddenLine>
             </a:ext>
             <a:ext uri="{AF507438-7753-43e0-B8FC-AC1667EBCBE1}">
-              <a14:hiddenEffects xmlns:a14="http://schemas.microsoft.com/office/drawing/2010/main" xmlns="">
+              <a14:hiddenEffects xmlns="" xmlns:a14="http://schemas.microsoft.com/office/drawing/2010/main">
                 <a:effectLst>
                   <a:outerShdw blurRad="63500" dist="38099" dir="2700000" algn="ctr" rotWithShape="0">
                     <a:schemeClr val="bg2">
@@ -285,7 +285,7 @@
               </a14:hiddenEffects>
             </a:ext>
             <a:ext uri="{FAA26D3D-D897-4be2-8F04-BA451C77F1D7}">
-              <ma14:placeholderFlag xmlns:ma14="http://schemas.microsoft.com/office/mac/drawingml/2011/main" xmlns="" val="1"/>
+              <ma14:placeholderFlag xmlns="" xmlns:ma14="http://schemas.microsoft.com/office/mac/drawingml/2011/main" val="1"/>
             </a:ext>
           </a:extLst>
         </p:spPr>
@@ -363,12 +363,12 @@
           <a:effectLst/>
           <a:extLst>
             <a:ext uri="{909E8E84-426E-40dd-AFC4-6F175D3DCCD1}">
-              <a14:hiddenFill xmlns:a14="http://schemas.microsoft.com/office/drawing/2010/main" xmlns="">
+              <a14:hiddenFill xmlns="" xmlns:a14="http://schemas.microsoft.com/office/drawing/2010/main">
                 <a:noFill/>
               </a14:hiddenFill>
             </a:ext>
             <a:ext uri="{AF507438-7753-43e0-B8FC-AC1667EBCBE1}">
-              <a14:hiddenEffects xmlns:a14="http://schemas.microsoft.com/office/drawing/2010/main" xmlns="">
+              <a14:hiddenEffects xmlns="" xmlns:a14="http://schemas.microsoft.com/office/drawing/2010/main">
                 <a:effectLst>
                   <a:outerShdw blurRad="63500" dist="38099" dir="2700000" algn="ctr" rotWithShape="0">
                     <a:srgbClr val="000000">
@@ -379,7 +379,7 @@
               </a14:hiddenEffects>
             </a:ext>
             <a:ext uri="{53640926-AAD7-44d8-BBD7-CCE9431645EC}">
-              <a14:shadowObscured xmlns:a14="http://schemas.microsoft.com/office/drawing/2010/main" xmlns="" val="1"/>
+              <a14:shadowObscured xmlns="" xmlns:a14="http://schemas.microsoft.com/office/drawing/2010/main" val="1"/>
             </a:ext>
           </a:extLst>
         </p:spPr>
@@ -788,14 +788,14 @@
           <a:effectLst/>
           <a:extLst>
             <a:ext uri="{909E8E84-426E-40dd-AFC4-6F175D3DCCD1}">
-              <a14:hiddenFill xmlns:a14="http://schemas.microsoft.com/office/drawing/2010/main" xmlns="">
+              <a14:hiddenFill xmlns="" xmlns:a14="http://schemas.microsoft.com/office/drawing/2010/main">
                 <a:solidFill>
                   <a:schemeClr val="accent1"/>
                 </a:solidFill>
               </a14:hiddenFill>
             </a:ext>
             <a:ext uri="{91240B29-F687-4f45-9708-019B960494DF}">
-              <a14:hiddenLine xmlns:a14="http://schemas.microsoft.com/office/drawing/2010/main" xmlns="" w="12700">
+              <a14:hiddenLine xmlns="" xmlns:a14="http://schemas.microsoft.com/office/drawing/2010/main" w="12700">
                 <a:solidFill>
                   <a:schemeClr val="tx1"/>
                 </a:solidFill>
@@ -805,7 +805,7 @@
               </a14:hiddenLine>
             </a:ext>
             <a:ext uri="{AF507438-7753-43e0-B8FC-AC1667EBCBE1}">
-              <a14:hiddenEffects xmlns:a14="http://schemas.microsoft.com/office/drawing/2010/main" xmlns="">
+              <a14:hiddenEffects xmlns="" xmlns:a14="http://schemas.microsoft.com/office/drawing/2010/main">
                 <a:effectLst>
                   <a:outerShdw blurRad="63500" dist="38099" dir="2700000" algn="ctr" rotWithShape="0">
                     <a:schemeClr val="bg2">
@@ -960,14 +960,14 @@
           </a:ln>
           <a:extLst>
             <a:ext uri="{909E8E84-426E-40dd-AFC4-6F175D3DCCD1}">
-              <a14:hiddenFill xmlns:a14="http://schemas.microsoft.com/office/drawing/2010/main" xmlns="">
+              <a14:hiddenFill xmlns="" xmlns:a14="http://schemas.microsoft.com/office/drawing/2010/main">
                 <a:solidFill>
                   <a:srgbClr val="FFFFFF"/>
                 </a:solidFill>
               </a14:hiddenFill>
             </a:ext>
             <a:ext uri="{91240B29-F687-4f45-9708-019B960494DF}">
-              <a14:hiddenLine xmlns:a14="http://schemas.microsoft.com/office/drawing/2010/main" xmlns="" w="9525">
+              <a14:hiddenLine xmlns="" xmlns:a14="http://schemas.microsoft.com/office/drawing/2010/main" w="9525">
                 <a:solidFill>
                   <a:srgbClr val="000000"/>
                 </a:solidFill>
@@ -2546,14 +2546,14 @@
           <a:effectLst/>
           <a:extLst>
             <a:ext uri="{909E8E84-426E-40dd-AFC4-6F175D3DCCD1}">
-              <a14:hiddenFill xmlns:a14="http://schemas.microsoft.com/office/drawing/2010/main" xmlns="">
+              <a14:hiddenFill xmlns="" xmlns:a14="http://schemas.microsoft.com/office/drawing/2010/main">
                 <a:solidFill>
                   <a:schemeClr val="accent1"/>
                 </a:solidFill>
               </a14:hiddenFill>
             </a:ext>
             <a:ext uri="{91240B29-F687-4f45-9708-019B960494DF}">
-              <a14:hiddenLine xmlns:a14="http://schemas.microsoft.com/office/drawing/2010/main" xmlns="" w="12700">
+              <a14:hiddenLine xmlns="" xmlns:a14="http://schemas.microsoft.com/office/drawing/2010/main" w="12700">
                 <a:solidFill>
                   <a:schemeClr val="tx1"/>
                 </a:solidFill>
@@ -2563,7 +2563,7 @@
               </a14:hiddenLine>
             </a:ext>
             <a:ext uri="{AF507438-7753-43e0-B8FC-AC1667EBCBE1}">
-              <a14:hiddenEffects xmlns:a14="http://schemas.microsoft.com/office/drawing/2010/main" xmlns="">
+              <a14:hiddenEffects xmlns="" xmlns:a14="http://schemas.microsoft.com/office/drawing/2010/main">
                 <a:effectLst>
                   <a:outerShdw blurRad="63500" dist="38099" dir="2700000" algn="ctr" rotWithShape="0">
                     <a:schemeClr val="bg2">
@@ -2574,7 +2574,7 @@
               </a14:hiddenEffects>
             </a:ext>
             <a:ext uri="{FAA26D3D-D897-4be2-8F04-BA451C77F1D7}">
-              <ma14:placeholderFlag xmlns:ma14="http://schemas.microsoft.com/office/mac/drawingml/2011/main" xmlns="" val="1"/>
+              <ma14:placeholderFlag xmlns="" xmlns:ma14="http://schemas.microsoft.com/office/mac/drawingml/2011/main" val="1"/>
             </a:ext>
           </a:extLst>
         </p:spPr>
@@ -2619,14 +2619,14 @@
           <a:effectLst/>
           <a:extLst>
             <a:ext uri="{909E8E84-426E-40dd-AFC4-6F175D3DCCD1}">
-              <a14:hiddenFill xmlns:a14="http://schemas.microsoft.com/office/drawing/2010/main" xmlns="">
+              <a14:hiddenFill xmlns="" xmlns:a14="http://schemas.microsoft.com/office/drawing/2010/main">
                 <a:solidFill>
                   <a:schemeClr val="accent1"/>
                 </a:solidFill>
               </a14:hiddenFill>
             </a:ext>
             <a:ext uri="{91240B29-F687-4f45-9708-019B960494DF}">
-              <a14:hiddenLine xmlns:a14="http://schemas.microsoft.com/office/drawing/2010/main" xmlns="" w="12700">
+              <a14:hiddenLine xmlns="" xmlns:a14="http://schemas.microsoft.com/office/drawing/2010/main" w="12700">
                 <a:solidFill>
                   <a:schemeClr val="tx1"/>
                 </a:solidFill>
@@ -2636,7 +2636,7 @@
               </a14:hiddenLine>
             </a:ext>
             <a:ext uri="{AF507438-7753-43e0-B8FC-AC1667EBCBE1}">
-              <a14:hiddenEffects xmlns:a14="http://schemas.microsoft.com/office/drawing/2010/main" xmlns="">
+              <a14:hiddenEffects xmlns="" xmlns:a14="http://schemas.microsoft.com/office/drawing/2010/main">
                 <a:effectLst>
                   <a:outerShdw blurRad="63500" dist="38099" dir="2700000" algn="ctr" rotWithShape="0">
                     <a:schemeClr val="bg2">
@@ -2647,7 +2647,7 @@
               </a14:hiddenEffects>
             </a:ext>
             <a:ext uri="{FAA26D3D-D897-4be2-8F04-BA451C77F1D7}">
-              <ma14:placeholderFlag xmlns:ma14="http://schemas.microsoft.com/office/mac/drawingml/2011/main" xmlns="" val="1"/>
+              <ma14:placeholderFlag xmlns="" xmlns:ma14="http://schemas.microsoft.com/office/mac/drawingml/2011/main" val="1"/>
             </a:ext>
           </a:extLst>
         </p:spPr>
@@ -2731,14 +2731,14 @@
           </a:ln>
           <a:extLst>
             <a:ext uri="{909E8E84-426E-40dd-AFC4-6F175D3DCCD1}">
-              <a14:hiddenFill xmlns:a14="http://schemas.microsoft.com/office/drawing/2010/main" xmlns="">
+              <a14:hiddenFill xmlns="" xmlns:a14="http://schemas.microsoft.com/office/drawing/2010/main">
                 <a:solidFill>
                   <a:srgbClr val="FFFFFF"/>
                 </a:solidFill>
               </a14:hiddenFill>
             </a:ext>
             <a:ext uri="{91240B29-F687-4f45-9708-019B960494DF}">
-              <a14:hiddenLine xmlns:a14="http://schemas.microsoft.com/office/drawing/2010/main" xmlns="" w="9525">
+              <a14:hiddenLine xmlns="" xmlns:a14="http://schemas.microsoft.com/office/drawing/2010/main" w="9525">
                 <a:solidFill>
                   <a:srgbClr val="000000"/>
                 </a:solidFill>
@@ -3249,74 +3249,6 @@
           </a:p>
         </p:txBody>
       </p:sp>
-      <p:sp>
-        <p:nvSpPr>
-          <p:cNvPr id="162819" name="Rectangle 3"/>
-          <p:cNvSpPr>
-            <a:spLocks noGrp="1" noChangeArrowheads="1"/>
-          </p:cNvSpPr>
-          <p:nvPr>
-            <p:ph type="subTitle" idx="1"/>
-          </p:nvPr>
-        </p:nvSpPr>
-        <p:spPr>
-          <a:xfrm>
-            <a:off x="508000" y="4267200"/>
-            <a:ext cx="11074400" cy="1752600"/>
-          </a:xfrm>
-        </p:spPr>
-        <p:txBody>
-          <a:bodyPr/>
-          <a:lstStyle/>
-          <a:p>
-            <a:pPr>
-              <a:spcAft>
-                <a:spcPts val="600"/>
-              </a:spcAft>
-              <a:defRPr/>
-            </a:pPr>
-            <a:endParaRPr lang="en-US" sz="1800" dirty="0"/>
-          </a:p>
-          <a:p>
-            <a:pPr>
-              <a:defRPr/>
-            </a:pPr>
-            <a:endParaRPr lang="en-US" sz="1800" dirty="0"/>
-          </a:p>
-          <a:p>
-            <a:pPr>
-              <a:defRPr/>
-            </a:pPr>
-            <a:r>
-              <a:rPr lang="en-US" sz="1800" dirty="0"/>
-              <a:t>University of Neuchâtel, Switzerland</a:t>
-            </a:r>
-          </a:p>
-          <a:p>
-            <a:pPr>
-              <a:defRPr/>
-            </a:pPr>
-            <a:r>
-              <a:rPr lang="en-US" sz="1800" dirty="0"/>
-              <a:t>Centre for Hydrogeology and </a:t>
-            </a:r>
-            <a:r>
-              <a:rPr lang="en-US" sz="1800" dirty="0" err="1"/>
-              <a:t>Geothermics</a:t>
-            </a:r>
-            <a:endParaRPr lang="en-US" sz="1800" dirty="0"/>
-          </a:p>
-          <a:p>
-            <a:pPr>
-              <a:defRPr/>
-            </a:pPr>
-            <a:r>
-              <a:rPr lang="en-US" sz="1800" dirty="0"/>
-              <a:t>December 16-20, 2019</a:t>
-            </a:r>
-          </a:p>
-        </p:txBody>
-      </p:sp>
       <p:pic>
         <p:nvPicPr>
           <p:cNvPr id="9" name="Picture 1033" descr="ident_4_onscreen_png">
@@ -3359,14 +3291,14 @@
           </a:ln>
           <a:extLst>
             <a:ext uri="{909E8E84-426E-40dd-AFC4-6F175D3DCCD1}">
-              <a14:hiddenFill xmlns="" xmlns:a14="http://schemas.microsoft.com/office/drawing/2010/main">
+              <a14:hiddenFill xmlns:a14="http://schemas.microsoft.com/office/drawing/2010/main" xmlns="">
                 <a:solidFill>
                   <a:srgbClr val="FFFFFF"/>
                 </a:solidFill>
               </a14:hiddenFill>
             </a:ext>
             <a:ext uri="{91240B29-F687-4f45-9708-019B960494DF}">
-              <a14:hiddenLine xmlns="" xmlns:a14="http://schemas.microsoft.com/office/drawing/2010/main" w="9525">
+              <a14:hiddenLine xmlns:a14="http://schemas.microsoft.com/office/drawing/2010/main" xmlns="" w="9525">
                 <a:solidFill>
                   <a:srgbClr val="000000"/>
                 </a:solidFill>
@@ -3378,33 +3310,360 @@
           </a:extLst>
         </p:spPr>
       </p:pic>
+      <p:sp>
+        <p:nvSpPr>
+          <p:cNvPr id="8" name="Rectangle 3">
+            <a:extLst>
+              <a:ext uri="{FF2B5EF4-FFF2-40B4-BE49-F238E27FC236}">
+                <a16:creationId xmlns:a16="http://schemas.microsoft.com/office/drawing/2014/main" id="{EF41A946-6EF7-E248-B51D-FC628BD2CD76}"/>
+              </a:ext>
+            </a:extLst>
+          </p:cNvPr>
+          <p:cNvSpPr txBox="1">
+            <a:spLocks noChangeArrowheads="1"/>
+          </p:cNvSpPr>
+          <p:nvPr/>
+        </p:nvSpPr>
+        <p:spPr bwMode="auto">
+          <a:xfrm>
+            <a:off x="508000" y="4267200"/>
+            <a:ext cx="11074400" cy="1752600"/>
+          </a:xfrm>
+          <a:prstGeom prst="rect">
+            <a:avLst/>
+          </a:prstGeom>
+          <a:noFill/>
+          <a:ln>
+            <a:noFill/>
+          </a:ln>
+          <a:effectLst/>
+          <a:extLst>
+            <a:ext uri="{909E8E84-426E-40dd-AFC4-6F175D3DCCD1}">
+              <a14:hiddenFill xmlns:a14="http://schemas.microsoft.com/office/drawing/2010/main" xmlns="">
+                <a:solidFill>
+                  <a:schemeClr val="accent1"/>
+                </a:solidFill>
+              </a14:hiddenFill>
+            </a:ext>
+            <a:ext uri="{91240B29-F687-4f45-9708-019B960494DF}">
+              <a14:hiddenLine xmlns:a14="http://schemas.microsoft.com/office/drawing/2010/main" xmlns="" w="12700">
+                <a:solidFill>
+                  <a:schemeClr val="tx1"/>
+                </a:solidFill>
+                <a:miter lim="800000"/>
+                <a:headEnd/>
+                <a:tailEnd/>
+              </a14:hiddenLine>
+            </a:ext>
+            <a:ext uri="{AF507438-7753-43e0-B8FC-AC1667EBCBE1}">
+              <a14:hiddenEffects xmlns:a14="http://schemas.microsoft.com/office/drawing/2010/main" xmlns="">
+                <a:effectLst>
+                  <a:outerShdw blurRad="63500" dist="38099" dir="2700000" algn="ctr" rotWithShape="0">
+                    <a:schemeClr val="bg2">
+                      <a:alpha val="74998"/>
+                    </a:schemeClr>
+                  </a:outerShdw>
+                </a:effectLst>
+              </a14:hiddenEffects>
+            </a:ext>
+            <a:ext uri="{FAA26D3D-D897-4be2-8F04-BA451C77F1D7}">
+              <ma14:placeholderFlag xmlns:ma14="http://schemas.microsoft.com/office/mac/drawingml/2011/main" xmlns="" val="1"/>
+            </a:ext>
+          </a:extLst>
+        </p:spPr>
+        <p:txBody>
+          <a:bodyPr vert="horz" wrap="square" lIns="90488" tIns="44450" rIns="90488" bIns="44450" numCol="1" anchor="t" anchorCtr="0" compatLnSpc="1">
+            <a:prstTxWarp prst="textNoShape">
+              <a:avLst/>
+            </a:prstTxWarp>
+          </a:bodyPr>
+          <a:lstStyle>
+            <a:lvl1pPr marL="0" indent="0" algn="l" rtl="0" eaLnBrk="0" fontAlgn="base" hangingPunct="0">
+              <a:spcBef>
+                <a:spcPct val="20000"/>
+              </a:spcBef>
+              <a:spcAft>
+                <a:spcPct val="0"/>
+              </a:spcAft>
+              <a:buClr>
+                <a:srgbClr val="FFFF99"/>
+              </a:buClr>
+              <a:buSzPct val="125000"/>
+              <a:buFont typeface="Wingdings" charset="0"/>
+              <a:buNone/>
+              <a:defRPr sz="2800" b="1">
+                <a:solidFill>
+                  <a:schemeClr val="bg1"/>
+                </a:solidFill>
+                <a:latin typeface="+mn-lt"/>
+                <a:ea typeface="+mn-ea"/>
+                <a:cs typeface="ＭＳ Ｐゴシック" charset="0"/>
+              </a:defRPr>
+            </a:lvl1pPr>
+            <a:lvl2pPr marL="742950" indent="-285750" algn="l" rtl="0" eaLnBrk="0" fontAlgn="base" hangingPunct="0">
+              <a:spcBef>
+                <a:spcPct val="20000"/>
+              </a:spcBef>
+              <a:spcAft>
+                <a:spcPct val="0"/>
+              </a:spcAft>
+              <a:buClr>
+                <a:srgbClr val="FFFF99"/>
+              </a:buClr>
+              <a:buSzPct val="125000"/>
+              <a:buFont typeface="Wingdings" charset="0"/>
+              <a:buChar char="§"/>
+              <a:defRPr sz="2400" b="1">
+                <a:solidFill>
+                  <a:schemeClr val="bg1"/>
+                </a:solidFill>
+                <a:latin typeface="+mn-lt"/>
+                <a:ea typeface="+mn-ea"/>
+              </a:defRPr>
+            </a:lvl2pPr>
+            <a:lvl3pPr marL="1143000" indent="-228600" algn="l" rtl="0" eaLnBrk="0" fontAlgn="base" hangingPunct="0">
+              <a:spcBef>
+                <a:spcPct val="20000"/>
+              </a:spcBef>
+              <a:spcAft>
+                <a:spcPct val="0"/>
+              </a:spcAft>
+              <a:buClr>
+                <a:srgbClr val="FFFF99"/>
+              </a:buClr>
+              <a:buSzPct val="125000"/>
+              <a:buFont typeface="Wingdings" charset="0"/>
+              <a:buChar char="§"/>
+              <a:defRPr sz="2000" b="1">
+                <a:solidFill>
+                  <a:schemeClr val="bg1"/>
+                </a:solidFill>
+                <a:latin typeface="+mn-lt"/>
+                <a:ea typeface="+mn-ea"/>
+              </a:defRPr>
+            </a:lvl3pPr>
+            <a:lvl4pPr marL="1600200" indent="-228600" algn="l" rtl="0" eaLnBrk="0" fontAlgn="base" hangingPunct="0">
+              <a:spcBef>
+                <a:spcPct val="20000"/>
+              </a:spcBef>
+              <a:spcAft>
+                <a:spcPct val="0"/>
+              </a:spcAft>
+              <a:buClr>
+                <a:srgbClr val="FFFF99"/>
+              </a:buClr>
+              <a:buSzPct val="125000"/>
+              <a:buFont typeface="Wingdings" charset="0"/>
+              <a:buChar char="§"/>
+              <a:defRPr b="1">
+                <a:solidFill>
+                  <a:schemeClr val="bg1"/>
+                </a:solidFill>
+                <a:latin typeface="+mn-lt"/>
+                <a:ea typeface="+mn-ea"/>
+              </a:defRPr>
+            </a:lvl4pPr>
+            <a:lvl5pPr marL="2057400" indent="-228600" algn="l" rtl="0" eaLnBrk="0" fontAlgn="base" hangingPunct="0">
+              <a:spcBef>
+                <a:spcPct val="20000"/>
+              </a:spcBef>
+              <a:spcAft>
+                <a:spcPct val="0"/>
+              </a:spcAft>
+              <a:buClr>
+                <a:srgbClr val="FFFF99"/>
+              </a:buClr>
+              <a:buSzPct val="125000"/>
+              <a:buFont typeface="Wingdings" charset="0"/>
+              <a:buChar char="§"/>
+              <a:defRPr b="1">
+                <a:solidFill>
+                  <a:schemeClr val="bg1"/>
+                </a:solidFill>
+                <a:latin typeface="+mn-lt"/>
+                <a:ea typeface="+mn-ea"/>
+              </a:defRPr>
+            </a:lvl5pPr>
+            <a:lvl6pPr marL="2514600" indent="-228600" algn="l" rtl="0" eaLnBrk="0" fontAlgn="base" hangingPunct="0">
+              <a:spcBef>
+                <a:spcPct val="20000"/>
+              </a:spcBef>
+              <a:spcAft>
+                <a:spcPct val="0"/>
+              </a:spcAft>
+              <a:buClr>
+                <a:srgbClr val="FFFF99"/>
+              </a:buClr>
+              <a:buSzPct val="125000"/>
+              <a:buFont typeface="Wingdings" charset="0"/>
+              <a:buChar char="§"/>
+              <a:defRPr b="1">
+                <a:solidFill>
+                  <a:schemeClr val="bg1"/>
+                </a:solidFill>
+                <a:latin typeface="+mn-lt"/>
+                <a:ea typeface="+mn-ea"/>
+              </a:defRPr>
+            </a:lvl6pPr>
+            <a:lvl7pPr marL="2971800" indent="-228600" algn="l" rtl="0" eaLnBrk="0" fontAlgn="base" hangingPunct="0">
+              <a:spcBef>
+                <a:spcPct val="20000"/>
+              </a:spcBef>
+              <a:spcAft>
+                <a:spcPct val="0"/>
+              </a:spcAft>
+              <a:buClr>
+                <a:srgbClr val="FFFF99"/>
+              </a:buClr>
+              <a:buSzPct val="125000"/>
+              <a:buFont typeface="Wingdings" charset="0"/>
+              <a:buChar char="§"/>
+              <a:defRPr b="1">
+                <a:solidFill>
+                  <a:schemeClr val="bg1"/>
+                </a:solidFill>
+                <a:latin typeface="+mn-lt"/>
+                <a:ea typeface="+mn-ea"/>
+              </a:defRPr>
+            </a:lvl7pPr>
+            <a:lvl8pPr marL="3429000" indent="-228600" algn="l" rtl="0" eaLnBrk="0" fontAlgn="base" hangingPunct="0">
+              <a:spcBef>
+                <a:spcPct val="20000"/>
+              </a:spcBef>
+              <a:spcAft>
+                <a:spcPct val="0"/>
+              </a:spcAft>
+              <a:buClr>
+                <a:srgbClr val="FFFF99"/>
+              </a:buClr>
+              <a:buSzPct val="125000"/>
+              <a:buFont typeface="Wingdings" charset="0"/>
+              <a:buChar char="§"/>
+              <a:defRPr b="1">
+                <a:solidFill>
+                  <a:schemeClr val="bg1"/>
+                </a:solidFill>
+                <a:latin typeface="+mn-lt"/>
+                <a:ea typeface="+mn-ea"/>
+              </a:defRPr>
+            </a:lvl8pPr>
+            <a:lvl9pPr marL="3886200" indent="-228600" algn="l" rtl="0" eaLnBrk="0" fontAlgn="base" hangingPunct="0">
+              <a:spcBef>
+                <a:spcPct val="20000"/>
+              </a:spcBef>
+              <a:spcAft>
+                <a:spcPct val="0"/>
+              </a:spcAft>
+              <a:buClr>
+                <a:srgbClr val="FFFF99"/>
+              </a:buClr>
+              <a:buSzPct val="125000"/>
+              <a:buFont typeface="Wingdings" charset="0"/>
+              <a:buChar char="§"/>
+              <a:defRPr b="1">
+                <a:solidFill>
+                  <a:schemeClr val="bg1"/>
+                </a:solidFill>
+                <a:latin typeface="+mn-lt"/>
+                <a:ea typeface="+mn-ea"/>
+              </a:defRPr>
+            </a:lvl9pPr>
+          </a:lstStyle>
+          <a:p>
+            <a:pPr>
+              <a:spcAft>
+                <a:spcPts val="600"/>
+              </a:spcAft>
+              <a:defRPr/>
+            </a:pPr>
+            <a:endParaRPr lang="en-US" sz="1800" kern="0" dirty="0"/>
+          </a:p>
+          <a:p>
+            <a:pPr>
+              <a:defRPr/>
+            </a:pPr>
+            <a:endParaRPr lang="en-US" sz="1800" kern="0" dirty="0"/>
+          </a:p>
+          <a:p>
+            <a:pPr>
+              <a:defRPr/>
+            </a:pPr>
+            <a:r>
+              <a:rPr lang="en-US" sz="1800" kern="0" dirty="0"/>
+              <a:t>47</a:t>
+            </a:r>
+            <a:r>
+              <a:rPr lang="en-US" sz="1800" kern="0" baseline="30000" dirty="0"/>
+              <a:t>TH</a:t>
+            </a:r>
+            <a:r>
+              <a:rPr lang="en-US" sz="1800" kern="0" dirty="0"/>
+              <a:t> IAH Congress</a:t>
+            </a:r>
+          </a:p>
+          <a:p>
+            <a:pPr>
+              <a:defRPr/>
+            </a:pPr>
+            <a:r>
+              <a:rPr lang="en-US" sz="1800" kern="0" dirty="0"/>
+              <a:t>São Paulo, Brazil</a:t>
+            </a:r>
+          </a:p>
+          <a:p>
+            <a:pPr>
+              <a:defRPr/>
+            </a:pPr>
+            <a:r>
+              <a:rPr lang="en-US" sz="1800" kern="0" dirty="0"/>
+              <a:t>August 22, 2021</a:t>
+            </a:r>
+          </a:p>
+        </p:txBody>
+      </p:sp>
       <p:pic>
         <p:nvPicPr>
-          <p:cNvPr id="7" name="Picture 6">
+          <p:cNvPr id="10" name="Picture 2">
             <a:extLst>
               <a:ext uri="{FF2B5EF4-FFF2-40B4-BE49-F238E27FC236}">
-                <a16:creationId xmlns:a16="http://schemas.microsoft.com/office/drawing/2014/main" id="{7A9BC812-CC9B-1841-9614-4A5B82723A4F}"/>
+                <a16:creationId xmlns:a16="http://schemas.microsoft.com/office/drawing/2014/main" id="{50DF9A11-1E0A-F943-B738-C944649E1EE5}"/>
               </a:ext>
             </a:extLst>
           </p:cNvPr>
           <p:cNvPicPr>
-            <a:picLocks noChangeAspect="1"/>
+            <a:picLocks noChangeAspect="1" noChangeArrowheads="1"/>
           </p:cNvPicPr>
           <p:nvPr/>
         </p:nvPicPr>
         <p:blipFill rotWithShape="1">
-          <a:blip r:embed="rId4"/>
-          <a:srcRect t="4265" b="32159"/>
+          <a:blip r:embed="rId4">
+            <a:extLst>
+              <a:ext uri="{28A0092B-C50C-407E-A947-70E740481C1C}">
+                <a14:useLocalDpi xmlns:a14="http://schemas.microsoft.com/office/drawing/2010/main" val="0"/>
+              </a:ext>
+            </a:extLst>
+          </a:blip>
+          <a:srcRect t="24478" b="27047"/>
           <a:stretch/>
         </p:blipFill>
-        <p:spPr>
+        <p:spPr bwMode="auto">
           <a:xfrm>
-            <a:off x="0" y="0"/>
-            <a:ext cx="12192000" cy="3103808"/>
+            <a:off x="-9575" y="-28978"/>
+            <a:ext cx="12211150" cy="3103807"/>
           </a:xfrm>
           <a:prstGeom prst="rect">
             <a:avLst/>
           </a:prstGeom>
+          <a:noFill/>
+          <a:extLst>
+            <a:ext uri="{909E8E84-426E-40DD-AFC4-6F175D3DCCD1}">
+              <a14:hiddenFill xmlns:a14="http://schemas.microsoft.com/office/drawing/2010/main">
+                <a:solidFill>
+                  <a:srgbClr val="FFFFFF"/>
+                </a:solidFill>
+              </a14:hiddenFill>
+            </a:ext>
+          </a:extLst>
         </p:spPr>
       </p:pic>
     </p:spTree>
@@ -5344,7 +5603,7 @@
         <a:effectLst/>
         <a:extLst>
           <a:ext uri="{AF507438-7753-43e0-B8FC-AC1667EBCBE1}">
-            <a14:hiddenEffects xmlns:a14="http://schemas.microsoft.com/office/drawing/2010/main" xmlns="">
+            <a14:hiddenEffects xmlns="" xmlns:a14="http://schemas.microsoft.com/office/drawing/2010/main">
               <a:effectLst>
                 <a:outerShdw blurRad="63500" dist="38099" dir="2700000" algn="ctr" rotWithShape="0">
                   <a:schemeClr val="bg2">
@@ -5420,7 +5679,7 @@
         <a:effectLst/>
         <a:extLst>
           <a:ext uri="{AF507438-7753-43e0-B8FC-AC1667EBCBE1}">
-            <a14:hiddenEffects xmlns:a14="http://schemas.microsoft.com/office/drawing/2010/main" xmlns="">
+            <a14:hiddenEffects xmlns="" xmlns:a14="http://schemas.microsoft.com/office/drawing/2010/main">
               <a:effectLst>
                 <a:outerShdw blurRad="63500" dist="38099" dir="2700000" algn="ctr" rotWithShape="0">
                   <a:schemeClr val="bg2">

--- a/presentations/python_overview.pptx
+++ b/presentations/python_overview.pptx
@@ -257,14 +257,14 @@
           <a:effectLst/>
           <a:extLst>
             <a:ext uri="{909E8E84-426E-40dd-AFC4-6F175D3DCCD1}">
-              <a14:hiddenFill xmlns="" xmlns:a14="http://schemas.microsoft.com/office/drawing/2010/main">
+              <a14:hiddenFill xmlns:a14="http://schemas.microsoft.com/office/drawing/2010/main" xmlns="">
                 <a:solidFill>
                   <a:schemeClr val="accent1"/>
                 </a:solidFill>
               </a14:hiddenFill>
             </a:ext>
             <a:ext uri="{91240B29-F687-4f45-9708-019B960494DF}">
-              <a14:hiddenLine xmlns="" xmlns:a14="http://schemas.microsoft.com/office/drawing/2010/main" w="12700">
+              <a14:hiddenLine xmlns:a14="http://schemas.microsoft.com/office/drawing/2010/main" xmlns="" w="12700">
                 <a:solidFill>
                   <a:schemeClr val="tx1"/>
                 </a:solidFill>
@@ -274,7 +274,7 @@
               </a14:hiddenLine>
             </a:ext>
             <a:ext uri="{AF507438-7753-43e0-B8FC-AC1667EBCBE1}">
-              <a14:hiddenEffects xmlns="" xmlns:a14="http://schemas.microsoft.com/office/drawing/2010/main">
+              <a14:hiddenEffects xmlns:a14="http://schemas.microsoft.com/office/drawing/2010/main" xmlns="">
                 <a:effectLst>
                   <a:outerShdw blurRad="63500" dist="38099" dir="2700000" algn="ctr" rotWithShape="0">
                     <a:schemeClr val="bg2">
@@ -285,7 +285,7 @@
               </a14:hiddenEffects>
             </a:ext>
             <a:ext uri="{FAA26D3D-D897-4be2-8F04-BA451C77F1D7}">
-              <ma14:placeholderFlag xmlns="" xmlns:ma14="http://schemas.microsoft.com/office/mac/drawingml/2011/main" val="1"/>
+              <ma14:placeholderFlag xmlns:ma14="http://schemas.microsoft.com/office/mac/drawingml/2011/main" xmlns="" val="1"/>
             </a:ext>
           </a:extLst>
         </p:spPr>
@@ -363,12 +363,12 @@
           <a:effectLst/>
           <a:extLst>
             <a:ext uri="{909E8E84-426E-40dd-AFC4-6F175D3DCCD1}">
-              <a14:hiddenFill xmlns="" xmlns:a14="http://schemas.microsoft.com/office/drawing/2010/main">
+              <a14:hiddenFill xmlns:a14="http://schemas.microsoft.com/office/drawing/2010/main" xmlns="">
                 <a:noFill/>
               </a14:hiddenFill>
             </a:ext>
             <a:ext uri="{AF507438-7753-43e0-B8FC-AC1667EBCBE1}">
-              <a14:hiddenEffects xmlns="" xmlns:a14="http://schemas.microsoft.com/office/drawing/2010/main">
+              <a14:hiddenEffects xmlns:a14="http://schemas.microsoft.com/office/drawing/2010/main" xmlns="">
                 <a:effectLst>
                   <a:outerShdw blurRad="63500" dist="38099" dir="2700000" algn="ctr" rotWithShape="0">
                     <a:srgbClr val="000000">
@@ -379,7 +379,7 @@
               </a14:hiddenEffects>
             </a:ext>
             <a:ext uri="{53640926-AAD7-44d8-BBD7-CCE9431645EC}">
-              <a14:shadowObscured xmlns="" xmlns:a14="http://schemas.microsoft.com/office/drawing/2010/main" val="1"/>
+              <a14:shadowObscured xmlns:a14="http://schemas.microsoft.com/office/drawing/2010/main" xmlns="" val="1"/>
             </a:ext>
           </a:extLst>
         </p:spPr>
@@ -748,6 +748,67 @@
 </p:notes>
 </file>
 
+<file path=ppt/notesSlides/notesSlide2.xml><?xml version="1.0" encoding="utf-8"?>
+<p:notes xmlns:a="http://schemas.openxmlformats.org/drawingml/2006/main" xmlns:r="http://schemas.openxmlformats.org/officeDocument/2006/relationships" xmlns:p="http://schemas.openxmlformats.org/presentationml/2006/main">
+  <p:cSld>
+    <p:spTree>
+      <p:nvGrpSpPr>
+        <p:cNvPr id="1" name=""/>
+        <p:cNvGrpSpPr/>
+        <p:nvPr/>
+      </p:nvGrpSpPr>
+      <p:grpSpPr>
+        <a:xfrm>
+          <a:off x="0" y="0"/>
+          <a:ext cx="0" cy="0"/>
+          <a:chOff x="0" y="0"/>
+          <a:chExt cx="0" cy="0"/>
+        </a:xfrm>
+      </p:grpSpPr>
+      <p:sp>
+        <p:nvSpPr>
+          <p:cNvPr id="2" name="Slide Image Placeholder 1"/>
+          <p:cNvSpPr>
+            <a:spLocks noGrp="1" noRot="1" noChangeAspect="1"/>
+          </p:cNvSpPr>
+          <p:nvPr>
+            <p:ph type="sldImg"/>
+          </p:nvPr>
+        </p:nvSpPr>
+        <p:spPr/>
+      </p:sp>
+      <p:sp>
+        <p:nvSpPr>
+          <p:cNvPr id="3" name="Notes Placeholder 2"/>
+          <p:cNvSpPr>
+            <a:spLocks noGrp="1"/>
+          </p:cNvSpPr>
+          <p:nvPr>
+            <p:ph type="body" idx="1"/>
+          </p:nvPr>
+        </p:nvSpPr>
+        <p:spPr/>
+        <p:txBody>
+          <a:bodyPr/>
+          <a:lstStyle/>
+          <a:p>
+            <a:endParaRPr lang="en-US" dirty="0"/>
+          </a:p>
+        </p:txBody>
+      </p:sp>
+    </p:spTree>
+    <p:extLst>
+      <p:ext uri="{BB962C8B-B14F-4D97-AF65-F5344CB8AC3E}">
+        <p14:creationId xmlns:p14="http://schemas.microsoft.com/office/powerpoint/2010/main" val="3097783985"/>
+      </p:ext>
+    </p:extLst>
+  </p:cSld>
+  <p:clrMapOvr>
+    <a:masterClrMapping/>
+  </p:clrMapOvr>
+</p:notes>
+</file>
+
 <file path=ppt/slideLayouts/slideLayout1.xml><?xml version="1.0" encoding="utf-8"?>
 <p:sldLayout xmlns:a="http://schemas.openxmlformats.org/drawingml/2006/main" xmlns:r="http://schemas.openxmlformats.org/officeDocument/2006/relationships" xmlns:p="http://schemas.openxmlformats.org/presentationml/2006/main" showMasterSp="0" type="title" preserve="1">
   <p:cSld name="Title Slide">
@@ -788,14 +849,14 @@
           <a:effectLst/>
           <a:extLst>
             <a:ext uri="{909E8E84-426E-40dd-AFC4-6F175D3DCCD1}">
-              <a14:hiddenFill xmlns="" xmlns:a14="http://schemas.microsoft.com/office/drawing/2010/main">
+              <a14:hiddenFill xmlns:a14="http://schemas.microsoft.com/office/drawing/2010/main" xmlns="">
                 <a:solidFill>
                   <a:schemeClr val="accent1"/>
                 </a:solidFill>
               </a14:hiddenFill>
             </a:ext>
             <a:ext uri="{91240B29-F687-4f45-9708-019B960494DF}">
-              <a14:hiddenLine xmlns="" xmlns:a14="http://schemas.microsoft.com/office/drawing/2010/main" w="12700">
+              <a14:hiddenLine xmlns:a14="http://schemas.microsoft.com/office/drawing/2010/main" xmlns="" w="12700">
                 <a:solidFill>
                   <a:schemeClr val="tx1"/>
                 </a:solidFill>
@@ -805,7 +866,7 @@
               </a14:hiddenLine>
             </a:ext>
             <a:ext uri="{AF507438-7753-43e0-B8FC-AC1667EBCBE1}">
-              <a14:hiddenEffects xmlns="" xmlns:a14="http://schemas.microsoft.com/office/drawing/2010/main">
+              <a14:hiddenEffects xmlns:a14="http://schemas.microsoft.com/office/drawing/2010/main" xmlns="">
                 <a:effectLst>
                   <a:outerShdw blurRad="63500" dist="38099" dir="2700000" algn="ctr" rotWithShape="0">
                     <a:schemeClr val="bg2">
@@ -960,14 +1021,14 @@
           </a:ln>
           <a:extLst>
             <a:ext uri="{909E8E84-426E-40dd-AFC4-6F175D3DCCD1}">
-              <a14:hiddenFill xmlns="" xmlns:a14="http://schemas.microsoft.com/office/drawing/2010/main">
+              <a14:hiddenFill xmlns:a14="http://schemas.microsoft.com/office/drawing/2010/main" xmlns="">
                 <a:solidFill>
                   <a:srgbClr val="FFFFFF"/>
                 </a:solidFill>
               </a14:hiddenFill>
             </a:ext>
             <a:ext uri="{91240B29-F687-4f45-9708-019B960494DF}">
-              <a14:hiddenLine xmlns="" xmlns:a14="http://schemas.microsoft.com/office/drawing/2010/main" w="9525">
+              <a14:hiddenLine xmlns:a14="http://schemas.microsoft.com/office/drawing/2010/main" xmlns="" w="9525">
                 <a:solidFill>
                   <a:srgbClr val="000000"/>
                 </a:solidFill>
@@ -2546,14 +2607,14 @@
           <a:effectLst/>
           <a:extLst>
             <a:ext uri="{909E8E84-426E-40dd-AFC4-6F175D3DCCD1}">
-              <a14:hiddenFill xmlns="" xmlns:a14="http://schemas.microsoft.com/office/drawing/2010/main">
+              <a14:hiddenFill xmlns:a14="http://schemas.microsoft.com/office/drawing/2010/main" xmlns="">
                 <a:solidFill>
                   <a:schemeClr val="accent1"/>
                 </a:solidFill>
               </a14:hiddenFill>
             </a:ext>
             <a:ext uri="{91240B29-F687-4f45-9708-019B960494DF}">
-              <a14:hiddenLine xmlns="" xmlns:a14="http://schemas.microsoft.com/office/drawing/2010/main" w="12700">
+              <a14:hiddenLine xmlns:a14="http://schemas.microsoft.com/office/drawing/2010/main" xmlns="" w="12700">
                 <a:solidFill>
                   <a:schemeClr val="tx1"/>
                 </a:solidFill>
@@ -2563,7 +2624,7 @@
               </a14:hiddenLine>
             </a:ext>
             <a:ext uri="{AF507438-7753-43e0-B8FC-AC1667EBCBE1}">
-              <a14:hiddenEffects xmlns="" xmlns:a14="http://schemas.microsoft.com/office/drawing/2010/main">
+              <a14:hiddenEffects xmlns:a14="http://schemas.microsoft.com/office/drawing/2010/main" xmlns="">
                 <a:effectLst>
                   <a:outerShdw blurRad="63500" dist="38099" dir="2700000" algn="ctr" rotWithShape="0">
                     <a:schemeClr val="bg2">
@@ -2574,7 +2635,7 @@
               </a14:hiddenEffects>
             </a:ext>
             <a:ext uri="{FAA26D3D-D897-4be2-8F04-BA451C77F1D7}">
-              <ma14:placeholderFlag xmlns="" xmlns:ma14="http://schemas.microsoft.com/office/mac/drawingml/2011/main" val="1"/>
+              <ma14:placeholderFlag xmlns:ma14="http://schemas.microsoft.com/office/mac/drawingml/2011/main" xmlns="" val="1"/>
             </a:ext>
           </a:extLst>
         </p:spPr>
@@ -2619,14 +2680,14 @@
           <a:effectLst/>
           <a:extLst>
             <a:ext uri="{909E8E84-426E-40dd-AFC4-6F175D3DCCD1}">
-              <a14:hiddenFill xmlns="" xmlns:a14="http://schemas.microsoft.com/office/drawing/2010/main">
+              <a14:hiddenFill xmlns:a14="http://schemas.microsoft.com/office/drawing/2010/main" xmlns="">
                 <a:solidFill>
                   <a:schemeClr val="accent1"/>
                 </a:solidFill>
               </a14:hiddenFill>
             </a:ext>
             <a:ext uri="{91240B29-F687-4f45-9708-019B960494DF}">
-              <a14:hiddenLine xmlns="" xmlns:a14="http://schemas.microsoft.com/office/drawing/2010/main" w="12700">
+              <a14:hiddenLine xmlns:a14="http://schemas.microsoft.com/office/drawing/2010/main" xmlns="" w="12700">
                 <a:solidFill>
                   <a:schemeClr val="tx1"/>
                 </a:solidFill>
@@ -2636,7 +2697,7 @@
               </a14:hiddenLine>
             </a:ext>
             <a:ext uri="{AF507438-7753-43e0-B8FC-AC1667EBCBE1}">
-              <a14:hiddenEffects xmlns="" xmlns:a14="http://schemas.microsoft.com/office/drawing/2010/main">
+              <a14:hiddenEffects xmlns:a14="http://schemas.microsoft.com/office/drawing/2010/main" xmlns="">
                 <a:effectLst>
                   <a:outerShdw blurRad="63500" dist="38099" dir="2700000" algn="ctr" rotWithShape="0">
                     <a:schemeClr val="bg2">
@@ -2647,7 +2708,7 @@
               </a14:hiddenEffects>
             </a:ext>
             <a:ext uri="{FAA26D3D-D897-4be2-8F04-BA451C77F1D7}">
-              <ma14:placeholderFlag xmlns="" xmlns:ma14="http://schemas.microsoft.com/office/mac/drawingml/2011/main" val="1"/>
+              <ma14:placeholderFlag xmlns:ma14="http://schemas.microsoft.com/office/mac/drawingml/2011/main" xmlns="" val="1"/>
             </a:ext>
           </a:extLst>
         </p:spPr>
@@ -2731,14 +2792,14 @@
           </a:ln>
           <a:extLst>
             <a:ext uri="{909E8E84-426E-40dd-AFC4-6F175D3DCCD1}">
-              <a14:hiddenFill xmlns="" xmlns:a14="http://schemas.microsoft.com/office/drawing/2010/main">
+              <a14:hiddenFill xmlns:a14="http://schemas.microsoft.com/office/drawing/2010/main" xmlns="">
                 <a:solidFill>
                   <a:srgbClr val="FFFFFF"/>
                 </a:solidFill>
               </a14:hiddenFill>
             </a:ext>
             <a:ext uri="{91240B29-F687-4f45-9708-019B960494DF}">
-              <a14:hiddenLine xmlns="" xmlns:a14="http://schemas.microsoft.com/office/drawing/2010/main" w="9525">
+              <a14:hiddenLine xmlns:a14="http://schemas.microsoft.com/office/drawing/2010/main" xmlns="" w="9525">
                 <a:solidFill>
                   <a:srgbClr val="000000"/>
                 </a:solidFill>
@@ -3291,14 +3352,14 @@
           </a:ln>
           <a:extLst>
             <a:ext uri="{909E8E84-426E-40dd-AFC4-6F175D3DCCD1}">
-              <a14:hiddenFill xmlns:a14="http://schemas.microsoft.com/office/drawing/2010/main" xmlns="">
+              <a14:hiddenFill xmlns="" xmlns:a14="http://schemas.microsoft.com/office/drawing/2010/main">
                 <a:solidFill>
                   <a:srgbClr val="FFFFFF"/>
                 </a:solidFill>
               </a14:hiddenFill>
             </a:ext>
             <a:ext uri="{91240B29-F687-4f45-9708-019B960494DF}">
-              <a14:hiddenLine xmlns:a14="http://schemas.microsoft.com/office/drawing/2010/main" xmlns="" w="9525">
+              <a14:hiddenLine xmlns="" xmlns:a14="http://schemas.microsoft.com/office/drawing/2010/main" w="9525">
                 <a:solidFill>
                   <a:srgbClr val="000000"/>
                 </a:solidFill>
@@ -3339,14 +3400,14 @@
           <a:effectLst/>
           <a:extLst>
             <a:ext uri="{909E8E84-426E-40dd-AFC4-6F175D3DCCD1}">
-              <a14:hiddenFill xmlns:a14="http://schemas.microsoft.com/office/drawing/2010/main" xmlns="">
+              <a14:hiddenFill xmlns="" xmlns:a14="http://schemas.microsoft.com/office/drawing/2010/main">
                 <a:solidFill>
                   <a:schemeClr val="accent1"/>
                 </a:solidFill>
               </a14:hiddenFill>
             </a:ext>
             <a:ext uri="{91240B29-F687-4f45-9708-019B960494DF}">
-              <a14:hiddenLine xmlns:a14="http://schemas.microsoft.com/office/drawing/2010/main" xmlns="" w="12700">
+              <a14:hiddenLine xmlns="" xmlns:a14="http://schemas.microsoft.com/office/drawing/2010/main" w="12700">
                 <a:solidFill>
                   <a:schemeClr val="tx1"/>
                 </a:solidFill>
@@ -3356,7 +3417,7 @@
               </a14:hiddenLine>
             </a:ext>
             <a:ext uri="{AF507438-7753-43e0-B8FC-AC1667EBCBE1}">
-              <a14:hiddenEffects xmlns:a14="http://schemas.microsoft.com/office/drawing/2010/main" xmlns="">
+              <a14:hiddenEffects xmlns="" xmlns:a14="http://schemas.microsoft.com/office/drawing/2010/main">
                 <a:effectLst>
                   <a:outerShdw blurRad="63500" dist="38099" dir="2700000" algn="ctr" rotWithShape="0">
                     <a:schemeClr val="bg2">
@@ -3367,7 +3428,7 @@
               </a14:hiddenEffects>
             </a:ext>
             <a:ext uri="{FAA26D3D-D897-4be2-8F04-BA451C77F1D7}">
-              <ma14:placeholderFlag xmlns:ma14="http://schemas.microsoft.com/office/mac/drawingml/2011/main" xmlns="" val="1"/>
+              <ma14:placeholderFlag xmlns="" xmlns:ma14="http://schemas.microsoft.com/office/mac/drawingml/2011/main" val="1"/>
             </a:ext>
           </a:extLst>
         </p:spPr>
@@ -3841,7 +3902,7 @@
           <a:p>
             <a:r>
               <a:rPr lang="en-US" dirty="0"/>
-              <a:t>Python 2.7 will not be maintained past 2019</a:t>
+              <a:t>Python 2.7 is officially dead and unsupported</a:t>
             </a:r>
           </a:p>
           <a:p>
@@ -3857,13 +3918,13 @@
           <a:p>
             <a:r>
               <a:rPr lang="en-US" dirty="0"/>
-              <a:t>Python 3.5+ is now the standard</a:t>
+              <a:t>Python 3.8+ is now the standard</a:t>
             </a:r>
           </a:p>
           <a:p>
             <a:r>
               <a:rPr lang="en-US" dirty="0"/>
-              <a:t>We are using Python 3.7 for the class</a:t>
+              <a:t>We are using Python 3.8 for the class</a:t>
             </a:r>
           </a:p>
           <a:p>
@@ -4968,41 +5029,11 @@
           <a:p>
             <a:r>
               <a:rPr lang="en-US" dirty="0"/>
-              <a:t>TIOBE Index (December 2019)</a:t>
+              <a:t>TIOBE Index (August 2021)</a:t>
             </a:r>
           </a:p>
         </p:txBody>
       </p:sp>
-      <p:pic>
-        <p:nvPicPr>
-          <p:cNvPr id="7" name="Picture 6">
-            <a:extLst>
-              <a:ext uri="{FF2B5EF4-FFF2-40B4-BE49-F238E27FC236}">
-                <a16:creationId xmlns:a16="http://schemas.microsoft.com/office/drawing/2014/main" id="{4ADB588E-ABED-294B-A705-925D663C51D5}"/>
-              </a:ext>
-            </a:extLst>
-          </p:cNvPr>
-          <p:cNvPicPr>
-            <a:picLocks noChangeAspect="1"/>
-          </p:cNvPicPr>
-          <p:nvPr/>
-        </p:nvPicPr>
-        <p:blipFill>
-          <a:blip r:embed="rId2"/>
-          <a:stretch>
-            <a:fillRect/>
-          </a:stretch>
-        </p:blipFill>
-        <p:spPr>
-          <a:xfrm>
-            <a:off x="2569756" y="1114032"/>
-            <a:ext cx="6950888" cy="5667768"/>
-          </a:xfrm>
-          <a:prstGeom prst="rect">
-            <a:avLst/>
-          </a:prstGeom>
-        </p:spPr>
-      </p:pic>
       <p:sp>
         <p:nvSpPr>
           <p:cNvPr id="8" name="TextBox 7">
@@ -5074,6 +5105,36 @@
           </a:p>
         </p:txBody>
       </p:sp>
+      <p:pic>
+        <p:nvPicPr>
+          <p:cNvPr id="3" name="Picture 2">
+            <a:extLst>
+              <a:ext uri="{FF2B5EF4-FFF2-40B4-BE49-F238E27FC236}">
+                <a16:creationId xmlns:a16="http://schemas.microsoft.com/office/drawing/2014/main" id="{58E2DF49-C284-5C45-B70A-344F9D07389B}"/>
+              </a:ext>
+            </a:extLst>
+          </p:cNvPr>
+          <p:cNvPicPr>
+            <a:picLocks noChangeAspect="1"/>
+          </p:cNvPicPr>
+          <p:nvPr/>
+        </p:nvPicPr>
+        <p:blipFill>
+          <a:blip r:embed="rId2"/>
+          <a:stretch>
+            <a:fillRect/>
+          </a:stretch>
+        </p:blipFill>
+        <p:spPr>
+          <a:xfrm>
+            <a:off x="3523844" y="1114032"/>
+            <a:ext cx="5144313" cy="5667768"/>
+          </a:xfrm>
+          <a:prstGeom prst="rect">
+            <a:avLst/>
+          </a:prstGeom>
+        </p:spPr>
+      </p:pic>
     </p:spTree>
     <p:extLst>
       <p:ext uri="{BB962C8B-B14F-4D97-AF65-F5344CB8AC3E}">
@@ -5132,36 +5193,6 @@
           </a:p>
         </p:txBody>
       </p:sp>
-      <p:pic>
-        <p:nvPicPr>
-          <p:cNvPr id="4" name="Picture 3">
-            <a:extLst>
-              <a:ext uri="{FF2B5EF4-FFF2-40B4-BE49-F238E27FC236}">
-                <a16:creationId xmlns:a16="http://schemas.microsoft.com/office/drawing/2014/main" id="{514291CD-49BA-9E45-AB62-06DE2B336071}"/>
-              </a:ext>
-            </a:extLst>
-          </p:cNvPr>
-          <p:cNvPicPr>
-            <a:picLocks noChangeAspect="1"/>
-          </p:cNvPicPr>
-          <p:nvPr/>
-        </p:nvPicPr>
-        <p:blipFill>
-          <a:blip r:embed="rId2"/>
-          <a:stretch>
-            <a:fillRect/>
-          </a:stretch>
-        </p:blipFill>
-        <p:spPr>
-          <a:xfrm>
-            <a:off x="1639884" y="1172084"/>
-            <a:ext cx="8912231" cy="5152516"/>
-          </a:xfrm>
-          <a:prstGeom prst="rect">
-            <a:avLst/>
-          </a:prstGeom>
-        </p:spPr>
-      </p:pic>
       <p:sp>
         <p:nvSpPr>
           <p:cNvPr id="5" name="TextBox 4">
@@ -5214,6 +5245,36 @@
           </a:p>
         </p:txBody>
       </p:sp>
+      <p:pic>
+        <p:nvPicPr>
+          <p:cNvPr id="3" name="Picture 2">
+            <a:extLst>
+              <a:ext uri="{FF2B5EF4-FFF2-40B4-BE49-F238E27FC236}">
+                <a16:creationId xmlns:a16="http://schemas.microsoft.com/office/drawing/2014/main" id="{C59F2B7D-736C-5246-AE50-60D2E1A18935}"/>
+              </a:ext>
+            </a:extLst>
+          </p:cNvPr>
+          <p:cNvPicPr>
+            <a:picLocks noChangeAspect="1"/>
+          </p:cNvPicPr>
+          <p:nvPr/>
+        </p:nvPicPr>
+        <p:blipFill>
+          <a:blip r:embed="rId4"/>
+          <a:stretch>
+            <a:fillRect/>
+          </a:stretch>
+        </p:blipFill>
+        <p:spPr>
+          <a:xfrm>
+            <a:off x="1504058" y="1087162"/>
+            <a:ext cx="9183885" cy="5237438"/>
+          </a:xfrm>
+          <a:prstGeom prst="rect">
+            <a:avLst/>
+          </a:prstGeom>
+        </p:spPr>
+      </p:pic>
     </p:spTree>
     <p:extLst>
       <p:ext uri="{BB962C8B-B14F-4D97-AF65-F5344CB8AC3E}">
@@ -5603,7 +5664,7 @@
         <a:effectLst/>
         <a:extLst>
           <a:ext uri="{AF507438-7753-43e0-B8FC-AC1667EBCBE1}">
-            <a14:hiddenEffects xmlns="" xmlns:a14="http://schemas.microsoft.com/office/drawing/2010/main">
+            <a14:hiddenEffects xmlns:a14="http://schemas.microsoft.com/office/drawing/2010/main" xmlns="">
               <a:effectLst>
                 <a:outerShdw blurRad="63500" dist="38099" dir="2700000" algn="ctr" rotWithShape="0">
                   <a:schemeClr val="bg2">
@@ -5679,7 +5740,7 @@
         <a:effectLst/>
         <a:extLst>
           <a:ext uri="{AF507438-7753-43e0-B8FC-AC1667EBCBE1}">
-            <a14:hiddenEffects xmlns="" xmlns:a14="http://schemas.microsoft.com/office/drawing/2010/main">
+            <a14:hiddenEffects xmlns:a14="http://schemas.microsoft.com/office/drawing/2010/main" xmlns="">
               <a:effectLst>
                 <a:outerShdw blurRad="63500" dist="38099" dir="2700000" algn="ctr" rotWithShape="0">
                   <a:schemeClr val="bg2">
